--- a/DS_Sat_2020/DS-Day-09 R.pptx
+++ b/DS_Sat_2020/DS-Day-09 R.pptx
@@ -7186,6 +7186,10 @@
             <a:r>
               <a:rPr lang="ru-RU" sz="2400" dirty="0"/>
               <a:t>На тестовом примере</a:t>
+            </a:r>
+            <a:r>
+              <a:rPr lang="en-US" sz="2400"/>
+              <a:t> </a:t>
             </a:r>
             <a:endParaRPr lang="en-US" sz="2400" dirty="0"/>
           </a:p>
